--- a/Specair.pptx
+++ b/Specair.pptx
@@ -10,7 +10,6 @@
     <p:sldId id="258" r:id="rId4"/>
     <p:sldId id="259" r:id="rId5"/>
     <p:sldId id="260" r:id="rId6"/>
-    <p:sldId id="261" r:id="rId7"/>
   </p:sldIdLst>
   <p:sldSz cx="12192000" cy="6858000"/>
   <p:notesSz cx="6858000" cy="9144000"/>
@@ -6046,276 +6045,6 @@
 </p:sld>
 </file>
 
-<file path=ppt/slides/slide6.xml><?xml version="1.0" encoding="utf-8"?>
-<p:sld xmlns:a="http://schemas.openxmlformats.org/drawingml/2006/main" xmlns:r="http://schemas.openxmlformats.org/officeDocument/2006/relationships" xmlns:p="http://schemas.openxmlformats.org/presentationml/2006/main">
-  <p:cSld>
-    <p:spTree>
-      <p:nvGrpSpPr>
-        <p:cNvPr id="1" name=""/>
-        <p:cNvGrpSpPr/>
-        <p:nvPr/>
-      </p:nvGrpSpPr>
-      <p:grpSpPr>
-        <a:xfrm>
-          <a:off x="0" y="0"/>
-          <a:ext cx="0" cy="0"/>
-          <a:chOff x="0" y="0"/>
-          <a:chExt cx="0" cy="0"/>
-        </a:xfrm>
-      </p:grpSpPr>
-      <p:sp>
-        <p:nvSpPr>
-          <p:cNvPr id="2" name="タイトル 1">
-            <a:extLst>
-              <a:ext uri="{FF2B5EF4-FFF2-40B4-BE49-F238E27FC236}">
-                <a16:creationId xmlns:a16="http://schemas.microsoft.com/office/drawing/2014/main" id="{79577F91-75BA-4B11-B821-19A9AC9558DD}"/>
-              </a:ext>
-            </a:extLst>
-          </p:cNvPr>
-          <p:cNvSpPr>
-            <a:spLocks noGrp="1"/>
-          </p:cNvSpPr>
-          <p:nvPr>
-            <p:ph type="title"/>
-          </p:nvPr>
-        </p:nvSpPr>
-        <p:spPr/>
-        <p:txBody>
-          <a:bodyPr>
-            <a:normAutofit fontScale="90000"/>
-          </a:bodyPr>
-          <a:lstStyle/>
-          <a:p>
-            <a:r>
-              <a:rPr kumimoji="1" lang="en-US" altLang="ja-JP" sz="4400" dirty="0"/>
-              <a:t>N2 2nd</a:t>
-            </a:r>
-            <a:r>
-              <a:rPr lang="en-US" altLang="ja-JP" sz="4400" dirty="0"/>
-              <a:t> Positive System</a:t>
-            </a:r>
-            <a:endParaRPr kumimoji="1" lang="ja-JP" altLang="en-US" dirty="0"/>
-          </a:p>
-        </p:txBody>
-      </p:sp>
-      <p:pic>
-        <p:nvPicPr>
-          <p:cNvPr id="4" name="図 3" descr="ダイアグラム, 設計図&#10;&#10;自動的に生成された説明">
-            <a:extLst>
-              <a:ext uri="{FF2B5EF4-FFF2-40B4-BE49-F238E27FC236}">
-                <a16:creationId xmlns:a16="http://schemas.microsoft.com/office/drawing/2014/main" id="{31E50F45-C1A9-4E54-B735-A743F6C78D13}"/>
-              </a:ext>
-            </a:extLst>
-          </p:cNvPr>
-          <p:cNvPicPr>
-            <a:picLocks noChangeAspect="1"/>
-          </p:cNvPicPr>
-          <p:nvPr/>
-        </p:nvPicPr>
-        <p:blipFill>
-          <a:blip r:embed="rId2">
-            <a:extLst>
-              <a:ext uri="{28A0092B-C50C-407E-A947-70E740481C1C}">
-                <a14:useLocalDpi xmlns:a14="http://schemas.microsoft.com/office/drawing/2010/main" val="0"/>
-              </a:ext>
-            </a:extLst>
-          </a:blip>
-          <a:stretch>
-            <a:fillRect/>
-          </a:stretch>
-        </p:blipFill>
-        <p:spPr>
-          <a:xfrm>
-            <a:off x="838200" y="2124811"/>
-            <a:ext cx="9543305" cy="3932224"/>
-          </a:xfrm>
-          <a:prstGeom prst="rect">
-            <a:avLst/>
-          </a:prstGeom>
-        </p:spPr>
-      </p:pic>
-      <p:sp>
-        <p:nvSpPr>
-          <p:cNvPr id="5" name="テキスト ボックス 4">
-            <a:extLst>
-              <a:ext uri="{FF2B5EF4-FFF2-40B4-BE49-F238E27FC236}">
-                <a16:creationId xmlns:a16="http://schemas.microsoft.com/office/drawing/2014/main" id="{0DF7334F-4C55-4BDA-A8E1-B0B2C0F82764}"/>
-              </a:ext>
-            </a:extLst>
-          </p:cNvPr>
-          <p:cNvSpPr txBox="1"/>
-          <p:nvPr/>
-        </p:nvSpPr>
-        <p:spPr>
-          <a:xfrm>
-            <a:off x="4538873" y="1663146"/>
-            <a:ext cx="3552576" cy="461665"/>
-          </a:xfrm>
-          <a:prstGeom prst="rect">
-            <a:avLst/>
-          </a:prstGeom>
-          <a:noFill/>
-        </p:spPr>
-        <p:txBody>
-          <a:bodyPr wrap="none" rtlCol="0">
-            <a:spAutoFit/>
-          </a:bodyPr>
-          <a:lstStyle/>
-          <a:p>
-            <a:pPr algn="ctr"/>
-            <a:r>
-              <a:rPr kumimoji="1" lang="en-US" altLang="ja-JP" sz="2400" dirty="0">
-                <a:solidFill>
-                  <a:srgbClr val="FF0000"/>
-                </a:solidFill>
-              </a:rPr>
-              <a:t>N2 2nd Positive System</a:t>
-            </a:r>
-            <a:endParaRPr kumimoji="1" lang="ja-JP" altLang="en-US" sz="2400" dirty="0">
-              <a:solidFill>
-                <a:srgbClr val="FF0000"/>
-              </a:solidFill>
-            </a:endParaRPr>
-          </a:p>
-        </p:txBody>
-      </p:sp>
-      <p:cxnSp>
-        <p:nvCxnSpPr>
-          <p:cNvPr id="7" name="直線矢印コネクタ 6">
-            <a:extLst>
-              <a:ext uri="{FF2B5EF4-FFF2-40B4-BE49-F238E27FC236}">
-                <a16:creationId xmlns:a16="http://schemas.microsoft.com/office/drawing/2014/main" id="{A5B9B400-AD94-4C76-A4EE-4707D4E17302}"/>
-              </a:ext>
-            </a:extLst>
-          </p:cNvPr>
-          <p:cNvCxnSpPr>
-            <a:cxnSpLocks/>
-            <a:stCxn id="5" idx="1"/>
-          </p:cNvCxnSpPr>
-          <p:nvPr/>
-        </p:nvCxnSpPr>
-        <p:spPr>
-          <a:xfrm flipH="1">
-            <a:off x="4238762" y="1893979"/>
-            <a:ext cx="300111" cy="388303"/>
-          </a:xfrm>
-          <a:prstGeom prst="straightConnector1">
-            <a:avLst/>
-          </a:prstGeom>
-          <a:ln w="38100">
-            <a:solidFill>
-              <a:srgbClr val="FF0000"/>
-            </a:solidFill>
-            <a:tailEnd type="triangle"/>
-          </a:ln>
-        </p:spPr>
-        <p:style>
-          <a:lnRef idx="1">
-            <a:schemeClr val="accent1"/>
-          </a:lnRef>
-          <a:fillRef idx="0">
-            <a:schemeClr val="accent1"/>
-          </a:fillRef>
-          <a:effectRef idx="0">
-            <a:schemeClr val="accent1"/>
-          </a:effectRef>
-          <a:fontRef idx="minor">
-            <a:schemeClr val="tx1"/>
-          </a:fontRef>
-        </p:style>
-      </p:cxnSp>
-      <p:sp>
-        <p:nvSpPr>
-          <p:cNvPr id="9" name="テキスト ボックス 8">
-            <a:extLst>
-              <a:ext uri="{FF2B5EF4-FFF2-40B4-BE49-F238E27FC236}">
-                <a16:creationId xmlns:a16="http://schemas.microsoft.com/office/drawing/2014/main" id="{36AEF6D6-F07A-4660-9495-0B8ECD4E509D}"/>
-              </a:ext>
-            </a:extLst>
-          </p:cNvPr>
-          <p:cNvSpPr txBox="1"/>
-          <p:nvPr/>
-        </p:nvSpPr>
-        <p:spPr>
-          <a:xfrm>
-            <a:off x="3378540" y="6057035"/>
-            <a:ext cx="7975260" cy="369332"/>
-          </a:xfrm>
-          <a:prstGeom prst="rect">
-            <a:avLst/>
-          </a:prstGeom>
-          <a:noFill/>
-        </p:spPr>
-        <p:txBody>
-          <a:bodyPr wrap="none" rtlCol="0">
-            <a:spAutoFit/>
-          </a:bodyPr>
-          <a:lstStyle/>
-          <a:p>
-            <a:r>
-              <a:rPr kumimoji="1" lang="en-US" altLang="ja-JP" dirty="0"/>
-              <a:t>[1]D.K. </a:t>
-            </a:r>
-            <a:r>
-              <a:rPr kumimoji="1" lang="en-US" altLang="ja-JP" dirty="0" err="1"/>
-              <a:t>Athanasopoulos</a:t>
-            </a:r>
-            <a:r>
-              <a:rPr kumimoji="1" lang="en-US" altLang="ja-JP" dirty="0"/>
-              <a:t> et al. Journal of Electrostatics 102 (2019) 103378</a:t>
-            </a:r>
-            <a:endParaRPr kumimoji="1" lang="ja-JP" altLang="en-US" dirty="0"/>
-          </a:p>
-        </p:txBody>
-      </p:sp>
-      <p:sp>
-        <p:nvSpPr>
-          <p:cNvPr id="10" name="テキスト ボックス 9">
-            <a:extLst>
-              <a:ext uri="{FF2B5EF4-FFF2-40B4-BE49-F238E27FC236}">
-                <a16:creationId xmlns:a16="http://schemas.microsoft.com/office/drawing/2014/main" id="{A2861CE9-2506-4915-BE6D-4FDA2F51AABF}"/>
-              </a:ext>
-            </a:extLst>
-          </p:cNvPr>
-          <p:cNvSpPr txBox="1"/>
-          <p:nvPr/>
-        </p:nvSpPr>
-        <p:spPr>
-          <a:xfrm>
-            <a:off x="718196" y="993731"/>
-            <a:ext cx="6647974" cy="461665"/>
-          </a:xfrm>
-          <a:prstGeom prst="rect">
-            <a:avLst/>
-          </a:prstGeom>
-          <a:noFill/>
-        </p:spPr>
-        <p:txBody>
-          <a:bodyPr wrap="none" rtlCol="0">
-            <a:spAutoFit/>
-          </a:bodyPr>
-          <a:lstStyle/>
-          <a:p>
-            <a:r>
-              <a:rPr kumimoji="1" lang="ja-JP" altLang="en-US" sz="2400" dirty="0"/>
-              <a:t>下図の波長を参考にしてスペクトルを特定する</a:t>
-            </a:r>
-          </a:p>
-        </p:txBody>
-      </p:sp>
-    </p:spTree>
-    <p:extLst>
-      <p:ext uri="{BB962C8B-B14F-4D97-AF65-F5344CB8AC3E}">
-        <p14:creationId xmlns:p14="http://schemas.microsoft.com/office/powerpoint/2010/main" val="4156141660"/>
-      </p:ext>
-    </p:extLst>
-  </p:cSld>
-  <p:clrMapOvr>
-    <a:masterClrMapping/>
-  </p:clrMapOvr>
-</p:sld>
-</file>
-
 <file path=ppt/theme/theme1.xml><?xml version="1.0" encoding="utf-8"?>
 <a:theme xmlns:a="http://schemas.openxmlformats.org/drawingml/2006/main" name="Office テーマ">
   <a:themeElements>

--- a/Specair.pptx
+++ b/Specair.pptx
@@ -10,6 +10,7 @@
     <p:sldId id="258" r:id="rId4"/>
     <p:sldId id="259" r:id="rId5"/>
     <p:sldId id="260" r:id="rId6"/>
+    <p:sldId id="261" r:id="rId7"/>
   </p:sldIdLst>
   <p:sldSz cx="12192000" cy="6858000"/>
   <p:notesSz cx="6858000" cy="9144000"/>
@@ -263,7 +264,7 @@
           <a:p>
             <a:fld id="{AD83BAA0-4DB5-4CFB-ABAD-32A62C52FCF2}" type="datetimeFigureOut">
               <a:rPr kumimoji="1" lang="ja-JP" altLang="en-US" smtClean="0"/>
-              <a:t>2021/11/1</a:t>
+              <a:t>2021/11/4</a:t>
             </a:fld>
             <a:endParaRPr kumimoji="1" lang="ja-JP" altLang="en-US"/>
           </a:p>
@@ -493,7 +494,7 @@
           <a:p>
             <a:fld id="{AD83BAA0-4DB5-4CFB-ABAD-32A62C52FCF2}" type="datetimeFigureOut">
               <a:rPr kumimoji="1" lang="ja-JP" altLang="en-US" smtClean="0"/>
-              <a:t>2021/11/1</a:t>
+              <a:t>2021/11/4</a:t>
             </a:fld>
             <a:endParaRPr kumimoji="1" lang="ja-JP" altLang="en-US"/>
           </a:p>
@@ -733,7 +734,7 @@
           <a:p>
             <a:fld id="{AD83BAA0-4DB5-4CFB-ABAD-32A62C52FCF2}" type="datetimeFigureOut">
               <a:rPr kumimoji="1" lang="ja-JP" altLang="en-US" smtClean="0"/>
-              <a:t>2021/11/1</a:t>
+              <a:t>2021/11/4</a:t>
             </a:fld>
             <a:endParaRPr kumimoji="1" lang="ja-JP" altLang="en-US"/>
           </a:p>
@@ -973,7 +974,7 @@
           <a:p>
             <a:fld id="{AD83BAA0-4DB5-4CFB-ABAD-32A62C52FCF2}" type="datetimeFigureOut">
               <a:rPr kumimoji="1" lang="ja-JP" altLang="en-US" smtClean="0"/>
-              <a:t>2021/11/1</a:t>
+              <a:t>2021/11/4</a:t>
             </a:fld>
             <a:endParaRPr kumimoji="1" lang="ja-JP" altLang="en-US"/>
           </a:p>
@@ -1248,7 +1249,7 @@
           <a:p>
             <a:fld id="{AD83BAA0-4DB5-4CFB-ABAD-32A62C52FCF2}" type="datetimeFigureOut">
               <a:rPr kumimoji="1" lang="ja-JP" altLang="en-US" smtClean="0"/>
-              <a:t>2021/11/1</a:t>
+              <a:t>2021/11/4</a:t>
             </a:fld>
             <a:endParaRPr kumimoji="1" lang="ja-JP" altLang="en-US"/>
           </a:p>
@@ -1577,7 +1578,7 @@
           <a:p>
             <a:fld id="{AD83BAA0-4DB5-4CFB-ABAD-32A62C52FCF2}" type="datetimeFigureOut">
               <a:rPr kumimoji="1" lang="ja-JP" altLang="en-US" smtClean="0"/>
-              <a:t>2021/11/1</a:t>
+              <a:t>2021/11/4</a:t>
             </a:fld>
             <a:endParaRPr kumimoji="1" lang="ja-JP" altLang="en-US"/>
           </a:p>
@@ -2053,7 +2054,7 @@
           <a:p>
             <a:fld id="{AD83BAA0-4DB5-4CFB-ABAD-32A62C52FCF2}" type="datetimeFigureOut">
               <a:rPr kumimoji="1" lang="ja-JP" altLang="en-US" smtClean="0"/>
-              <a:t>2021/11/1</a:t>
+              <a:t>2021/11/4</a:t>
             </a:fld>
             <a:endParaRPr kumimoji="1" lang="ja-JP" altLang="en-US"/>
           </a:p>
@@ -2194,7 +2195,7 @@
           <a:p>
             <a:fld id="{AD83BAA0-4DB5-4CFB-ABAD-32A62C52FCF2}" type="datetimeFigureOut">
               <a:rPr kumimoji="1" lang="ja-JP" altLang="en-US" smtClean="0"/>
-              <a:t>2021/11/1</a:t>
+              <a:t>2021/11/4</a:t>
             </a:fld>
             <a:endParaRPr kumimoji="1" lang="ja-JP" altLang="en-US"/>
           </a:p>
@@ -2307,7 +2308,7 @@
           <a:p>
             <a:fld id="{AD83BAA0-4DB5-4CFB-ABAD-32A62C52FCF2}" type="datetimeFigureOut">
               <a:rPr kumimoji="1" lang="ja-JP" altLang="en-US" smtClean="0"/>
-              <a:t>2021/11/1</a:t>
+              <a:t>2021/11/4</a:t>
             </a:fld>
             <a:endParaRPr kumimoji="1" lang="ja-JP" altLang="en-US"/>
           </a:p>
@@ -2650,7 +2651,7 @@
           <a:p>
             <a:fld id="{AD83BAA0-4DB5-4CFB-ABAD-32A62C52FCF2}" type="datetimeFigureOut">
               <a:rPr kumimoji="1" lang="ja-JP" altLang="en-US" smtClean="0"/>
-              <a:t>2021/11/1</a:t>
+              <a:t>2021/11/4</a:t>
             </a:fld>
             <a:endParaRPr kumimoji="1" lang="ja-JP" altLang="en-US"/>
           </a:p>
@@ -2938,7 +2939,7 @@
           <a:p>
             <a:fld id="{AD83BAA0-4DB5-4CFB-ABAD-32A62C52FCF2}" type="datetimeFigureOut">
               <a:rPr kumimoji="1" lang="ja-JP" altLang="en-US" smtClean="0"/>
-              <a:t>2021/11/1</a:t>
+              <a:t>2021/11/4</a:t>
             </a:fld>
             <a:endParaRPr kumimoji="1" lang="ja-JP" altLang="en-US"/>
           </a:p>
@@ -3211,7 +3212,7 @@
           <a:p>
             <a:fld id="{AD83BAA0-4DB5-4CFB-ABAD-32A62C52FCF2}" type="datetimeFigureOut">
               <a:rPr kumimoji="1" lang="ja-JP" altLang="en-US" smtClean="0"/>
-              <a:t>2021/11/1</a:t>
+              <a:t>2021/11/4</a:t>
             </a:fld>
             <a:endParaRPr kumimoji="1" lang="ja-JP" altLang="en-US"/>
           </a:p>
@@ -6045,6 +6046,276 @@
 </p:sld>
 </file>
 
+<file path=ppt/slides/slide6.xml><?xml version="1.0" encoding="utf-8"?>
+<p:sld xmlns:a="http://schemas.openxmlformats.org/drawingml/2006/main" xmlns:r="http://schemas.openxmlformats.org/officeDocument/2006/relationships" xmlns:p="http://schemas.openxmlformats.org/presentationml/2006/main">
+  <p:cSld>
+    <p:spTree>
+      <p:nvGrpSpPr>
+        <p:cNvPr id="1" name=""/>
+        <p:cNvGrpSpPr/>
+        <p:nvPr/>
+      </p:nvGrpSpPr>
+      <p:grpSpPr>
+        <a:xfrm>
+          <a:off x="0" y="0"/>
+          <a:ext cx="0" cy="0"/>
+          <a:chOff x="0" y="0"/>
+          <a:chExt cx="0" cy="0"/>
+        </a:xfrm>
+      </p:grpSpPr>
+      <p:sp>
+        <p:nvSpPr>
+          <p:cNvPr id="2" name="タイトル 1">
+            <a:extLst>
+              <a:ext uri="{FF2B5EF4-FFF2-40B4-BE49-F238E27FC236}">
+                <a16:creationId xmlns:a16="http://schemas.microsoft.com/office/drawing/2014/main" id="{79577F91-75BA-4B11-B821-19A9AC9558DD}"/>
+              </a:ext>
+            </a:extLst>
+          </p:cNvPr>
+          <p:cNvSpPr>
+            <a:spLocks noGrp="1"/>
+          </p:cNvSpPr>
+          <p:nvPr>
+            <p:ph type="title"/>
+          </p:nvPr>
+        </p:nvSpPr>
+        <p:spPr/>
+        <p:txBody>
+          <a:bodyPr>
+            <a:normAutofit fontScale="90000"/>
+          </a:bodyPr>
+          <a:lstStyle/>
+          <a:p>
+            <a:r>
+              <a:rPr kumimoji="1" lang="en-US" altLang="ja-JP" sz="4400" dirty="0"/>
+              <a:t>N2 2nd</a:t>
+            </a:r>
+            <a:r>
+              <a:rPr lang="en-US" altLang="ja-JP" sz="4400" dirty="0"/>
+              <a:t> Positive System</a:t>
+            </a:r>
+            <a:endParaRPr kumimoji="1" lang="ja-JP" altLang="en-US" dirty="0"/>
+          </a:p>
+        </p:txBody>
+      </p:sp>
+      <p:pic>
+        <p:nvPicPr>
+          <p:cNvPr id="4" name="図 3" descr="ダイアグラム, 設計図&#10;&#10;自動的に生成された説明">
+            <a:extLst>
+              <a:ext uri="{FF2B5EF4-FFF2-40B4-BE49-F238E27FC236}">
+                <a16:creationId xmlns:a16="http://schemas.microsoft.com/office/drawing/2014/main" id="{31E50F45-C1A9-4E54-B735-A743F6C78D13}"/>
+              </a:ext>
+            </a:extLst>
+          </p:cNvPr>
+          <p:cNvPicPr>
+            <a:picLocks noChangeAspect="1"/>
+          </p:cNvPicPr>
+          <p:nvPr/>
+        </p:nvPicPr>
+        <p:blipFill>
+          <a:blip r:embed="rId2">
+            <a:extLst>
+              <a:ext uri="{28A0092B-C50C-407E-A947-70E740481C1C}">
+                <a14:useLocalDpi xmlns:a14="http://schemas.microsoft.com/office/drawing/2010/main" val="0"/>
+              </a:ext>
+            </a:extLst>
+          </a:blip>
+          <a:stretch>
+            <a:fillRect/>
+          </a:stretch>
+        </p:blipFill>
+        <p:spPr>
+          <a:xfrm>
+            <a:off x="838200" y="2124811"/>
+            <a:ext cx="9543305" cy="3932224"/>
+          </a:xfrm>
+          <a:prstGeom prst="rect">
+            <a:avLst/>
+          </a:prstGeom>
+        </p:spPr>
+      </p:pic>
+      <p:sp>
+        <p:nvSpPr>
+          <p:cNvPr id="5" name="テキスト ボックス 4">
+            <a:extLst>
+              <a:ext uri="{FF2B5EF4-FFF2-40B4-BE49-F238E27FC236}">
+                <a16:creationId xmlns:a16="http://schemas.microsoft.com/office/drawing/2014/main" id="{0DF7334F-4C55-4BDA-A8E1-B0B2C0F82764}"/>
+              </a:ext>
+            </a:extLst>
+          </p:cNvPr>
+          <p:cNvSpPr txBox="1"/>
+          <p:nvPr/>
+        </p:nvSpPr>
+        <p:spPr>
+          <a:xfrm>
+            <a:off x="4538873" y="1663146"/>
+            <a:ext cx="3552576" cy="461665"/>
+          </a:xfrm>
+          <a:prstGeom prst="rect">
+            <a:avLst/>
+          </a:prstGeom>
+          <a:noFill/>
+        </p:spPr>
+        <p:txBody>
+          <a:bodyPr wrap="none" rtlCol="0">
+            <a:spAutoFit/>
+          </a:bodyPr>
+          <a:lstStyle/>
+          <a:p>
+            <a:pPr algn="ctr"/>
+            <a:r>
+              <a:rPr kumimoji="1" lang="en-US" altLang="ja-JP" sz="2400" dirty="0">
+                <a:solidFill>
+                  <a:srgbClr val="FF0000"/>
+                </a:solidFill>
+              </a:rPr>
+              <a:t>N2 2nd Positive System</a:t>
+            </a:r>
+            <a:endParaRPr kumimoji="1" lang="ja-JP" altLang="en-US" sz="2400" dirty="0">
+              <a:solidFill>
+                <a:srgbClr val="FF0000"/>
+              </a:solidFill>
+            </a:endParaRPr>
+          </a:p>
+        </p:txBody>
+      </p:sp>
+      <p:cxnSp>
+        <p:nvCxnSpPr>
+          <p:cNvPr id="7" name="直線矢印コネクタ 6">
+            <a:extLst>
+              <a:ext uri="{FF2B5EF4-FFF2-40B4-BE49-F238E27FC236}">
+                <a16:creationId xmlns:a16="http://schemas.microsoft.com/office/drawing/2014/main" id="{A5B9B400-AD94-4C76-A4EE-4707D4E17302}"/>
+              </a:ext>
+            </a:extLst>
+          </p:cNvPr>
+          <p:cNvCxnSpPr>
+            <a:cxnSpLocks/>
+            <a:stCxn id="5" idx="1"/>
+          </p:cNvCxnSpPr>
+          <p:nvPr/>
+        </p:nvCxnSpPr>
+        <p:spPr>
+          <a:xfrm flipH="1">
+            <a:off x="4238762" y="1893979"/>
+            <a:ext cx="300111" cy="388303"/>
+          </a:xfrm>
+          <a:prstGeom prst="straightConnector1">
+            <a:avLst/>
+          </a:prstGeom>
+          <a:ln w="38100">
+            <a:solidFill>
+              <a:srgbClr val="FF0000"/>
+            </a:solidFill>
+            <a:tailEnd type="triangle"/>
+          </a:ln>
+        </p:spPr>
+        <p:style>
+          <a:lnRef idx="1">
+            <a:schemeClr val="accent1"/>
+          </a:lnRef>
+          <a:fillRef idx="0">
+            <a:schemeClr val="accent1"/>
+          </a:fillRef>
+          <a:effectRef idx="0">
+            <a:schemeClr val="accent1"/>
+          </a:effectRef>
+          <a:fontRef idx="minor">
+            <a:schemeClr val="tx1"/>
+          </a:fontRef>
+        </p:style>
+      </p:cxnSp>
+      <p:sp>
+        <p:nvSpPr>
+          <p:cNvPr id="9" name="テキスト ボックス 8">
+            <a:extLst>
+              <a:ext uri="{FF2B5EF4-FFF2-40B4-BE49-F238E27FC236}">
+                <a16:creationId xmlns:a16="http://schemas.microsoft.com/office/drawing/2014/main" id="{36AEF6D6-F07A-4660-9495-0B8ECD4E509D}"/>
+              </a:ext>
+            </a:extLst>
+          </p:cNvPr>
+          <p:cNvSpPr txBox="1"/>
+          <p:nvPr/>
+        </p:nvSpPr>
+        <p:spPr>
+          <a:xfrm>
+            <a:off x="3378540" y="6057035"/>
+            <a:ext cx="7975260" cy="369332"/>
+          </a:xfrm>
+          <a:prstGeom prst="rect">
+            <a:avLst/>
+          </a:prstGeom>
+          <a:noFill/>
+        </p:spPr>
+        <p:txBody>
+          <a:bodyPr wrap="none" rtlCol="0">
+            <a:spAutoFit/>
+          </a:bodyPr>
+          <a:lstStyle/>
+          <a:p>
+            <a:r>
+              <a:rPr kumimoji="1" lang="en-US" altLang="ja-JP" dirty="0"/>
+              <a:t>[1]D.K. </a:t>
+            </a:r>
+            <a:r>
+              <a:rPr kumimoji="1" lang="en-US" altLang="ja-JP" dirty="0" err="1"/>
+              <a:t>Athanasopoulos</a:t>
+            </a:r>
+            <a:r>
+              <a:rPr kumimoji="1" lang="en-US" altLang="ja-JP" dirty="0"/>
+              <a:t> et al. Journal of Electrostatics 102 (2019) 103378</a:t>
+            </a:r>
+            <a:endParaRPr kumimoji="1" lang="ja-JP" altLang="en-US" dirty="0"/>
+          </a:p>
+        </p:txBody>
+      </p:sp>
+      <p:sp>
+        <p:nvSpPr>
+          <p:cNvPr id="10" name="テキスト ボックス 9">
+            <a:extLst>
+              <a:ext uri="{FF2B5EF4-FFF2-40B4-BE49-F238E27FC236}">
+                <a16:creationId xmlns:a16="http://schemas.microsoft.com/office/drawing/2014/main" id="{A2861CE9-2506-4915-BE6D-4FDA2F51AABF}"/>
+              </a:ext>
+            </a:extLst>
+          </p:cNvPr>
+          <p:cNvSpPr txBox="1"/>
+          <p:nvPr/>
+        </p:nvSpPr>
+        <p:spPr>
+          <a:xfrm>
+            <a:off x="718196" y="993731"/>
+            <a:ext cx="6647974" cy="461665"/>
+          </a:xfrm>
+          <a:prstGeom prst="rect">
+            <a:avLst/>
+          </a:prstGeom>
+          <a:noFill/>
+        </p:spPr>
+        <p:txBody>
+          <a:bodyPr wrap="none" rtlCol="0">
+            <a:spAutoFit/>
+          </a:bodyPr>
+          <a:lstStyle/>
+          <a:p>
+            <a:r>
+              <a:rPr kumimoji="1" lang="ja-JP" altLang="en-US" sz="2400" dirty="0"/>
+              <a:t>下図の波長を参考にしてスペクトルを特定する</a:t>
+            </a:r>
+          </a:p>
+        </p:txBody>
+      </p:sp>
+    </p:spTree>
+    <p:extLst>
+      <p:ext uri="{BB962C8B-B14F-4D97-AF65-F5344CB8AC3E}">
+        <p14:creationId xmlns:p14="http://schemas.microsoft.com/office/powerpoint/2010/main" val="2868564170"/>
+      </p:ext>
+    </p:extLst>
+  </p:cSld>
+  <p:clrMapOvr>
+    <a:masterClrMapping/>
+  </p:clrMapOvr>
+</p:sld>
+</file>
+
 <file path=ppt/theme/theme1.xml><?xml version="1.0" encoding="utf-8"?>
 <a:theme xmlns:a="http://schemas.openxmlformats.org/drawingml/2006/main" name="Office テーマ">
   <a:themeElements>
